--- a/screen outline.pptx
+++ b/screen outline.pptx
@@ -5,7 +5,7 @@
     <p:sldMasterId id="2147483648" r:id="rId1"/>
   </p:sldMasterIdLst>
   <p:sldIdLst>
-    <p:sldId id="257" r:id="rId2"/>
+    <p:sldId id="263" r:id="rId2"/>
     <p:sldId id="258" r:id="rId3"/>
     <p:sldId id="259" r:id="rId4"/>
     <p:sldId id="260" r:id="rId5"/>
@@ -293,7 +293,7 @@
           <a:p>
             <a:fld id="{06025033-1892-41E6-8383-7533ECF394AB}" type="datetimeFigureOut">
               <a:rPr lang="en-PH" smtClean="0"/>
-              <a:t>29/08/2017</a:t>
+              <a:t>31/08/2017</a:t>
             </a:fld>
             <a:endParaRPr lang="en-PH"/>
           </a:p>
@@ -463,7 +463,7 @@
           <a:p>
             <a:fld id="{06025033-1892-41E6-8383-7533ECF394AB}" type="datetimeFigureOut">
               <a:rPr lang="en-PH" smtClean="0"/>
-              <a:t>29/08/2017</a:t>
+              <a:t>31/08/2017</a:t>
             </a:fld>
             <a:endParaRPr lang="en-PH"/>
           </a:p>
@@ -643,7 +643,7 @@
           <a:p>
             <a:fld id="{06025033-1892-41E6-8383-7533ECF394AB}" type="datetimeFigureOut">
               <a:rPr lang="en-PH" smtClean="0"/>
-              <a:t>29/08/2017</a:t>
+              <a:t>31/08/2017</a:t>
             </a:fld>
             <a:endParaRPr lang="en-PH"/>
           </a:p>
@@ -813,7 +813,7 @@
           <a:p>
             <a:fld id="{06025033-1892-41E6-8383-7533ECF394AB}" type="datetimeFigureOut">
               <a:rPr lang="en-PH" smtClean="0"/>
-              <a:t>29/08/2017</a:t>
+              <a:t>31/08/2017</a:t>
             </a:fld>
             <a:endParaRPr lang="en-PH"/>
           </a:p>
@@ -1059,7 +1059,7 @@
           <a:p>
             <a:fld id="{06025033-1892-41E6-8383-7533ECF394AB}" type="datetimeFigureOut">
               <a:rPr lang="en-PH" smtClean="0"/>
-              <a:t>29/08/2017</a:t>
+              <a:t>31/08/2017</a:t>
             </a:fld>
             <a:endParaRPr lang="en-PH"/>
           </a:p>
@@ -1347,7 +1347,7 @@
           <a:p>
             <a:fld id="{06025033-1892-41E6-8383-7533ECF394AB}" type="datetimeFigureOut">
               <a:rPr lang="en-PH" smtClean="0"/>
-              <a:t>29/08/2017</a:t>
+              <a:t>31/08/2017</a:t>
             </a:fld>
             <a:endParaRPr lang="en-PH"/>
           </a:p>
@@ -1769,7 +1769,7 @@
           <a:p>
             <a:fld id="{06025033-1892-41E6-8383-7533ECF394AB}" type="datetimeFigureOut">
               <a:rPr lang="en-PH" smtClean="0"/>
-              <a:t>29/08/2017</a:t>
+              <a:t>31/08/2017</a:t>
             </a:fld>
             <a:endParaRPr lang="en-PH"/>
           </a:p>
@@ -1887,7 +1887,7 @@
           <a:p>
             <a:fld id="{06025033-1892-41E6-8383-7533ECF394AB}" type="datetimeFigureOut">
               <a:rPr lang="en-PH" smtClean="0"/>
-              <a:t>29/08/2017</a:t>
+              <a:t>31/08/2017</a:t>
             </a:fld>
             <a:endParaRPr lang="en-PH"/>
           </a:p>
@@ -1982,7 +1982,7 @@
           <a:p>
             <a:fld id="{06025033-1892-41E6-8383-7533ECF394AB}" type="datetimeFigureOut">
               <a:rPr lang="en-PH" smtClean="0"/>
-              <a:t>29/08/2017</a:t>
+              <a:t>31/08/2017</a:t>
             </a:fld>
             <a:endParaRPr lang="en-PH"/>
           </a:p>
@@ -2259,7 +2259,7 @@
           <a:p>
             <a:fld id="{06025033-1892-41E6-8383-7533ECF394AB}" type="datetimeFigureOut">
               <a:rPr lang="en-PH" smtClean="0"/>
-              <a:t>29/08/2017</a:t>
+              <a:t>31/08/2017</a:t>
             </a:fld>
             <a:endParaRPr lang="en-PH"/>
           </a:p>
@@ -2512,7 +2512,7 @@
           <a:p>
             <a:fld id="{06025033-1892-41E6-8383-7533ECF394AB}" type="datetimeFigureOut">
               <a:rPr lang="en-PH" smtClean="0"/>
-              <a:t>29/08/2017</a:t>
+              <a:t>31/08/2017</a:t>
             </a:fld>
             <a:endParaRPr lang="en-PH"/>
           </a:p>
@@ -2725,7 +2725,7 @@
           <a:p>
             <a:fld id="{06025033-1892-41E6-8383-7533ECF394AB}" type="datetimeFigureOut">
               <a:rPr lang="en-PH" smtClean="0"/>
-              <a:t>29/08/2017</a:t>
+              <a:t>31/08/2017</a:t>
             </a:fld>
             <a:endParaRPr lang="en-PH"/>
           </a:p>
@@ -3102,279 +3102,47 @@
       </p:grpSpPr>
       <p:sp>
         <p:nvSpPr>
-          <p:cNvPr id="12" name="Rectangle 11"/>
-          <p:cNvSpPr/>
-          <p:nvPr/>
-        </p:nvSpPr>
-        <p:spPr>
-          <a:xfrm>
-            <a:off x="-108520" y="0"/>
-            <a:ext cx="9361040" cy="6741368"/>
-          </a:xfrm>
-          <a:prstGeom prst="rect">
-            <a:avLst/>
-          </a:prstGeom>
-          <a:noFill/>
-          <a:ln>
-            <a:solidFill>
-              <a:srgbClr val="FFFF00"/>
-            </a:solidFill>
-          </a:ln>
-        </p:spPr>
-        <p:style>
-          <a:lnRef idx="2">
-            <a:schemeClr val="accent1">
-              <a:shade val="50000"/>
-            </a:schemeClr>
-          </a:lnRef>
-          <a:fillRef idx="1">
-            <a:schemeClr val="accent1"/>
-          </a:fillRef>
-          <a:effectRef idx="0">
-            <a:schemeClr val="accent1"/>
-          </a:effectRef>
-          <a:fontRef idx="minor">
-            <a:schemeClr val="lt1"/>
-          </a:fontRef>
-        </p:style>
-        <p:txBody>
-          <a:bodyPr rtlCol="0" anchor="ctr"/>
-          <a:lstStyle/>
-          <a:p>
-            <a:pPr algn="ctr"/>
-            <a:endParaRPr lang="en-PH"/>
-          </a:p>
-        </p:txBody>
-      </p:sp>
-      <p:sp>
-        <p:nvSpPr>
-          <p:cNvPr id="5" name="Rounded Rectangle 4"/>
-          <p:cNvSpPr/>
-          <p:nvPr/>
-        </p:nvSpPr>
-        <p:spPr>
-          <a:xfrm>
-            <a:off x="4644008" y="1794149"/>
-            <a:ext cx="2952328" cy="432048"/>
-          </a:xfrm>
-          <a:prstGeom prst="roundRect">
-            <a:avLst/>
-          </a:prstGeom>
-        </p:spPr>
-        <p:style>
-          <a:lnRef idx="1">
-            <a:schemeClr val="accent2"/>
-          </a:lnRef>
-          <a:fillRef idx="2">
-            <a:schemeClr val="accent2"/>
-          </a:fillRef>
-          <a:effectRef idx="1">
-            <a:schemeClr val="accent2"/>
-          </a:effectRef>
-          <a:fontRef idx="minor">
-            <a:schemeClr val="dk1"/>
-          </a:fontRef>
-        </p:style>
-        <p:txBody>
-          <a:bodyPr rtlCol="0" anchor="ctr"/>
-          <a:lstStyle/>
-          <a:p>
-            <a:pPr algn="ctr"/>
-            <a:endParaRPr lang="en-PH"/>
-          </a:p>
-        </p:txBody>
-      </p:sp>
-      <p:sp>
-        <p:nvSpPr>
-          <p:cNvPr id="6" name="Rounded Rectangle 5"/>
-          <p:cNvSpPr/>
-          <p:nvPr/>
-        </p:nvSpPr>
-        <p:spPr>
-          <a:xfrm>
-            <a:off x="4615408" y="2802261"/>
-            <a:ext cx="2952328" cy="432048"/>
-          </a:xfrm>
-          <a:prstGeom prst="roundRect">
-            <a:avLst/>
-          </a:prstGeom>
-        </p:spPr>
-        <p:style>
-          <a:lnRef idx="1">
-            <a:schemeClr val="accent2"/>
-          </a:lnRef>
-          <a:fillRef idx="2">
-            <a:schemeClr val="accent2"/>
-          </a:fillRef>
-          <a:effectRef idx="1">
-            <a:schemeClr val="accent2"/>
-          </a:effectRef>
-          <a:fontRef idx="minor">
-            <a:schemeClr val="dk1"/>
-          </a:fontRef>
-        </p:style>
-        <p:txBody>
-          <a:bodyPr rtlCol="0" anchor="ctr"/>
-          <a:lstStyle/>
-          <a:p>
-            <a:pPr algn="ctr"/>
-            <a:endParaRPr lang="en-PH"/>
-          </a:p>
-        </p:txBody>
-      </p:sp>
-      <p:sp>
-        <p:nvSpPr>
-          <p:cNvPr id="7" name="TextBox 6"/>
-          <p:cNvSpPr txBox="1"/>
-          <p:nvPr/>
-        </p:nvSpPr>
-        <p:spPr>
-          <a:xfrm>
-            <a:off x="4677009" y="1412776"/>
-            <a:ext cx="1149674" cy="369332"/>
-          </a:xfrm>
-          <a:prstGeom prst="rect">
-            <a:avLst/>
-          </a:prstGeom>
-          <a:noFill/>
-        </p:spPr>
-        <p:txBody>
-          <a:bodyPr wrap="none" rtlCol="0">
-            <a:spAutoFit/>
-          </a:bodyPr>
-          <a:lstStyle/>
-          <a:p>
-            <a:r>
-              <a:rPr lang="en-PH" dirty="0" smtClean="0"/>
-              <a:t>Username</a:t>
-            </a:r>
-            <a:endParaRPr lang="en-PH" dirty="0"/>
-          </a:p>
-        </p:txBody>
-      </p:sp>
-      <p:sp>
-        <p:nvSpPr>
-          <p:cNvPr id="8" name="TextBox 7"/>
-          <p:cNvSpPr txBox="1"/>
-          <p:nvPr/>
-        </p:nvSpPr>
-        <p:spPr>
-          <a:xfrm>
-            <a:off x="4716016" y="2370213"/>
-            <a:ext cx="1070999" cy="369332"/>
-          </a:xfrm>
-          <a:prstGeom prst="rect">
-            <a:avLst/>
-          </a:prstGeom>
-          <a:noFill/>
-        </p:spPr>
-        <p:txBody>
-          <a:bodyPr wrap="none" rtlCol="0">
-            <a:spAutoFit/>
-          </a:bodyPr>
-          <a:lstStyle/>
-          <a:p>
-            <a:r>
-              <a:rPr lang="en-PH" dirty="0" smtClean="0"/>
-              <a:t>Password</a:t>
-            </a:r>
-            <a:endParaRPr lang="en-PH" dirty="0"/>
-          </a:p>
-        </p:txBody>
-      </p:sp>
-      <p:sp>
-        <p:nvSpPr>
-          <p:cNvPr id="9" name="Rectangle 8"/>
-          <p:cNvSpPr/>
-          <p:nvPr/>
-        </p:nvSpPr>
-        <p:spPr>
-          <a:xfrm>
-            <a:off x="4716016" y="3450333"/>
-            <a:ext cx="1070999" cy="504056"/>
-          </a:xfrm>
-          <a:prstGeom prst="rect">
-            <a:avLst/>
-          </a:prstGeom>
-        </p:spPr>
-        <p:style>
-          <a:lnRef idx="0">
-            <a:schemeClr val="accent6"/>
-          </a:lnRef>
-          <a:fillRef idx="3">
-            <a:schemeClr val="accent6"/>
-          </a:fillRef>
-          <a:effectRef idx="3">
-            <a:schemeClr val="accent6"/>
-          </a:effectRef>
-          <a:fontRef idx="minor">
-            <a:schemeClr val="lt1"/>
-          </a:fontRef>
-        </p:style>
-        <p:txBody>
-          <a:bodyPr rtlCol="0" anchor="ctr"/>
-          <a:lstStyle/>
-          <a:p>
-            <a:pPr algn="ctr"/>
-            <a:r>
-              <a:rPr lang="en-PH" dirty="0" smtClean="0"/>
-              <a:t>Login</a:t>
-            </a:r>
-            <a:endParaRPr lang="en-PH" dirty="0"/>
-          </a:p>
-        </p:txBody>
-      </p:sp>
-      <p:sp>
-        <p:nvSpPr>
-          <p:cNvPr id="10" name="Rectangle 9"/>
-          <p:cNvSpPr/>
-          <p:nvPr/>
-        </p:nvSpPr>
-        <p:spPr>
-          <a:xfrm>
-            <a:off x="755576" y="332656"/>
-            <a:ext cx="7632848" cy="4752528"/>
-          </a:xfrm>
-          <a:prstGeom prst="rect">
-            <a:avLst/>
-          </a:prstGeom>
-          <a:noFill/>
-          <a:ln>
-            <a:solidFill>
-              <a:srgbClr val="FF0000"/>
-            </a:solidFill>
-          </a:ln>
-        </p:spPr>
-        <p:style>
-          <a:lnRef idx="2">
-            <a:schemeClr val="accent1">
-              <a:shade val="50000"/>
-            </a:schemeClr>
-          </a:lnRef>
-          <a:fillRef idx="1">
-            <a:schemeClr val="accent1"/>
-          </a:fillRef>
-          <a:effectRef idx="0">
-            <a:schemeClr val="accent1"/>
-          </a:effectRef>
-          <a:fontRef idx="minor">
-            <a:schemeClr val="lt1"/>
-          </a:fontRef>
-        </p:style>
-        <p:txBody>
-          <a:bodyPr rtlCol="0" anchor="ctr"/>
-          <a:lstStyle/>
-          <a:p>
-            <a:pPr algn="ctr"/>
+          <p:cNvPr id="2" name="Title 1"/>
+          <p:cNvSpPr>
+            <a:spLocks noGrp="1"/>
+          </p:cNvSpPr>
+          <p:nvPr>
+            <p:ph type="title"/>
+          </p:nvPr>
+        </p:nvSpPr>
+        <p:spPr/>
+        <p:txBody>
+          <a:bodyPr/>
+          <a:lstStyle/>
+          <a:p>
+            <a:endParaRPr lang="en-PH"/>
+          </a:p>
+        </p:txBody>
+      </p:sp>
+      <p:sp>
+        <p:nvSpPr>
+          <p:cNvPr id="3" name="Content Placeholder 2"/>
+          <p:cNvSpPr>
+            <a:spLocks noGrp="1"/>
+          </p:cNvSpPr>
+          <p:nvPr>
+            <p:ph idx="1"/>
+          </p:nvPr>
+        </p:nvSpPr>
+        <p:spPr/>
+        <p:txBody>
+          <a:bodyPr/>
+          <a:lstStyle/>
+          <a:p>
             <a:endParaRPr lang="en-PH"/>
           </a:p>
         </p:txBody>
       </p:sp>
       <p:pic>
         <p:nvPicPr>
-          <p:cNvPr id="14" name="Picture 13"/>
+          <p:cNvPr id="1026" name="Picture 2"/>
           <p:cNvPicPr>
-            <a:picLocks noChangeAspect="1"/>
+            <a:picLocks noChangeAspect="1" noChangeArrowheads="1"/>
           </p:cNvPicPr>
           <p:nvPr/>
         </p:nvPicPr>
@@ -3386,67 +3154,48 @@
               </a:ext>
             </a:extLst>
           </a:blip>
+          <a:srcRect/>
           <a:stretch>
             <a:fillRect/>
           </a:stretch>
         </p:blipFill>
-        <p:spPr>
+        <p:spPr bwMode="auto">
           <a:xfrm>
-            <a:off x="988979" y="764704"/>
-            <a:ext cx="3439005" cy="3915321"/>
+            <a:off x="247650" y="719138"/>
+            <a:ext cx="8648700" cy="5419725"/>
           </a:xfrm>
           <a:prstGeom prst="rect">
             <a:avLst/>
           </a:prstGeom>
+          <a:noFill/>
+          <a:ln>
+            <a:noFill/>
+          </a:ln>
+          <a:extLst>
+            <a:ext uri="{909E8E84-426E-40DD-AFC4-6F175D3DCCD1}">
+              <a14:hiddenFill xmlns:a14="http://schemas.microsoft.com/office/drawing/2010/main">
+                <a:solidFill>
+                  <a:schemeClr val="accent1"/>
+                </a:solidFill>
+              </a14:hiddenFill>
+            </a:ext>
+            <a:ext uri="{91240B29-F687-4F45-9708-019B960494DF}">
+              <a14:hiddenLine xmlns:a14="http://schemas.microsoft.com/office/drawing/2010/main" w="9525">
+                <a:solidFill>
+                  <a:schemeClr val="tx1"/>
+                </a:solidFill>
+                <a:miter lim="800000"/>
+                <a:headEnd/>
+                <a:tailEnd/>
+              </a14:hiddenLine>
+            </a:ext>
+          </a:extLst>
         </p:spPr>
       </p:pic>
-      <p:sp>
-        <p:nvSpPr>
-          <p:cNvPr id="16" name="TextBox 15"/>
-          <p:cNvSpPr txBox="1"/>
-          <p:nvPr/>
-        </p:nvSpPr>
-        <p:spPr>
-          <a:xfrm>
-            <a:off x="6588224" y="3563724"/>
-            <a:ext cx="940194" cy="369332"/>
-          </a:xfrm>
-          <a:prstGeom prst="rect">
-            <a:avLst/>
-          </a:prstGeom>
-        </p:spPr>
-        <p:style>
-          <a:lnRef idx="2">
-            <a:schemeClr val="accent6"/>
-          </a:lnRef>
-          <a:fillRef idx="1">
-            <a:schemeClr val="lt1"/>
-          </a:fillRef>
-          <a:effectRef idx="0">
-            <a:schemeClr val="accent6"/>
-          </a:effectRef>
-          <a:fontRef idx="minor">
-            <a:schemeClr val="dk1"/>
-          </a:fontRef>
-        </p:style>
-        <p:txBody>
-          <a:bodyPr wrap="none" rtlCol="0">
-            <a:spAutoFit/>
-          </a:bodyPr>
-          <a:lstStyle/>
-          <a:p>
-            <a:r>
-              <a:rPr lang="en-PH" dirty="0" smtClean="0"/>
-              <a:t>Register</a:t>
-            </a:r>
-            <a:endParaRPr lang="en-PH" dirty="0"/>
-          </a:p>
-        </p:txBody>
-      </p:sp>
     </p:spTree>
     <p:extLst>
       <p:ext uri="{BB962C8B-B14F-4D97-AF65-F5344CB8AC3E}">
-        <p14:creationId xmlns:p14="http://schemas.microsoft.com/office/powerpoint/2010/main" val="3226003763"/>
+        <p14:creationId xmlns:p14="http://schemas.microsoft.com/office/powerpoint/2010/main" val="1255356014"/>
       </p:ext>
     </p:extLst>
   </p:cSld>
